--- a/journal/a3_chess_outcome_presentation.pptx
+++ b/journal/a3_chess_outcome_presentation.pptx
@@ -14692,7 +14692,7 @@
             </a:r>
             <a:r>
               <a:rPr lang="en-AU" sz="1400" b="1" dirty="0"/>
-              <a:t>8×8×36 boards @ 20/40/60</a:t>
+              <a:t>8×8×36 boards at 20/40/60</a:t>
             </a:r>
             <a:r>
               <a:rPr lang="en-AU" sz="1400" dirty="0"/>
